--- a/documentatie/scrum presentaties/sprint 2.pptx
+++ b/documentatie/scrum presentaties/sprint 2.pptx
@@ -113,6 +113,11 @@
       </a:defRPr>
     </a:lvl9pPr>
   </p:defaultTextStyle>
+  <p:extLst>
+    <p:ext uri="{EFAFB233-063F-42B5-8137-9DF3F51BA10A}">
+      <p15:sldGuideLst xmlns:p15="http://schemas.microsoft.com/office/powerpoint/2012/main"/>
+    </p:ext>
+  </p:extLst>
 </p:presentation>
 </file>
 
@@ -903,7 +908,7 @@
           <a:p>
             <a:fld id="{60DAC050-0D21-4421-9D3C-BFB696298AF5}" type="slidenum">
               <a:rPr lang="nl-NL" smtClean="0"/>
-              <a:t>‹nr.›</a:t>
+              <a:t>‹#›</a:t>
             </a:fld>
             <a:endParaRPr lang="nl-NL"/>
           </a:p>
@@ -1154,7 +1159,7 @@
           <a:p>
             <a:fld id="{60DAC050-0D21-4421-9D3C-BFB696298AF5}" type="slidenum">
               <a:rPr lang="nl-NL" smtClean="0"/>
-              <a:t>‹nr.›</a:t>
+              <a:t>‹#›</a:t>
             </a:fld>
             <a:endParaRPr lang="nl-NL"/>
           </a:p>
@@ -1468,7 +1473,7 @@
           <a:p>
             <a:fld id="{60DAC050-0D21-4421-9D3C-BFB696298AF5}" type="slidenum">
               <a:rPr lang="nl-NL" smtClean="0"/>
-              <a:t>‹nr.›</a:t>
+              <a:t>‹#›</a:t>
             </a:fld>
             <a:endParaRPr lang="nl-NL"/>
           </a:p>
@@ -1801,7 +1806,7 @@
           <a:p>
             <a:fld id="{60DAC050-0D21-4421-9D3C-BFB696298AF5}" type="slidenum">
               <a:rPr lang="nl-NL" smtClean="0"/>
-              <a:t>‹nr.›</a:t>
+              <a:t>‹#›</a:t>
             </a:fld>
             <a:endParaRPr lang="nl-NL"/>
           </a:p>
@@ -2115,7 +2120,7 @@
           <a:p>
             <a:fld id="{60DAC050-0D21-4421-9D3C-BFB696298AF5}" type="slidenum">
               <a:rPr lang="nl-NL" smtClean="0"/>
-              <a:t>‹nr.›</a:t>
+              <a:t>‹#›</a:t>
             </a:fld>
             <a:endParaRPr lang="nl-NL"/>
           </a:p>
@@ -2508,7 +2513,7 @@
           <a:p>
             <a:fld id="{60DAC050-0D21-4421-9D3C-BFB696298AF5}" type="slidenum">
               <a:rPr lang="nl-NL" smtClean="0"/>
-              <a:t>‹nr.›</a:t>
+              <a:t>‹#›</a:t>
             </a:fld>
             <a:endParaRPr lang="nl-NL"/>
           </a:p>
@@ -2678,7 +2683,7 @@
           <a:p>
             <a:fld id="{60DAC050-0D21-4421-9D3C-BFB696298AF5}" type="slidenum">
               <a:rPr lang="nl-NL" smtClean="0"/>
-              <a:t>‹nr.›</a:t>
+              <a:t>‹#›</a:t>
             </a:fld>
             <a:endParaRPr lang="nl-NL"/>
           </a:p>
@@ -2858,7 +2863,7 @@
           <a:p>
             <a:fld id="{60DAC050-0D21-4421-9D3C-BFB696298AF5}" type="slidenum">
               <a:rPr lang="nl-NL" smtClean="0"/>
-              <a:t>‹nr.›</a:t>
+              <a:t>‹#›</a:t>
             </a:fld>
             <a:endParaRPr lang="nl-NL"/>
           </a:p>
@@ -3028,7 +3033,7 @@
           <a:p>
             <a:fld id="{60DAC050-0D21-4421-9D3C-BFB696298AF5}" type="slidenum">
               <a:rPr lang="nl-NL" smtClean="0"/>
-              <a:t>‹nr.›</a:t>
+              <a:t>‹#›</a:t>
             </a:fld>
             <a:endParaRPr lang="nl-NL"/>
           </a:p>
@@ -3275,7 +3280,7 @@
           <a:p>
             <a:fld id="{60DAC050-0D21-4421-9D3C-BFB696298AF5}" type="slidenum">
               <a:rPr lang="nl-NL" smtClean="0"/>
-              <a:t>‹nr.›</a:t>
+              <a:t>‹#›</a:t>
             </a:fld>
             <a:endParaRPr lang="nl-NL"/>
           </a:p>
@@ -3507,7 +3512,7 @@
           <a:p>
             <a:fld id="{60DAC050-0D21-4421-9D3C-BFB696298AF5}" type="slidenum">
               <a:rPr lang="nl-NL" smtClean="0"/>
-              <a:t>‹nr.›</a:t>
+              <a:t>‹#›</a:t>
             </a:fld>
             <a:endParaRPr lang="nl-NL"/>
           </a:p>
@@ -3881,7 +3886,7 @@
           <a:p>
             <a:fld id="{60DAC050-0D21-4421-9D3C-BFB696298AF5}" type="slidenum">
               <a:rPr lang="nl-NL" smtClean="0"/>
-              <a:t>‹nr.›</a:t>
+              <a:t>‹#›</a:t>
             </a:fld>
             <a:endParaRPr lang="nl-NL"/>
           </a:p>
@@ -4004,7 +4009,7 @@
           <a:p>
             <a:fld id="{60DAC050-0D21-4421-9D3C-BFB696298AF5}" type="slidenum">
               <a:rPr lang="nl-NL" smtClean="0"/>
-              <a:t>‹nr.›</a:t>
+              <a:t>‹#›</a:t>
             </a:fld>
             <a:endParaRPr lang="nl-NL"/>
           </a:p>
@@ -4099,7 +4104,7 @@
           <a:p>
             <a:fld id="{60DAC050-0D21-4421-9D3C-BFB696298AF5}" type="slidenum">
               <a:rPr lang="nl-NL" smtClean="0"/>
-              <a:t>‹nr.›</a:t>
+              <a:t>‹#›</a:t>
             </a:fld>
             <a:endParaRPr lang="nl-NL"/>
           </a:p>
@@ -4354,7 +4359,7 @@
           <a:p>
             <a:fld id="{60DAC050-0D21-4421-9D3C-BFB696298AF5}" type="slidenum">
               <a:rPr lang="nl-NL" smtClean="0"/>
-              <a:t>‹nr.›</a:t>
+              <a:t>‹#›</a:t>
             </a:fld>
             <a:endParaRPr lang="nl-NL"/>
           </a:p>
@@ -4594,7 +4599,7 @@
           <a:p>
             <a:fld id="{60DAC050-0D21-4421-9D3C-BFB696298AF5}" type="slidenum">
               <a:rPr lang="nl-NL" smtClean="0"/>
-              <a:t>‹nr.›</a:t>
+              <a:t>‹#›</a:t>
             </a:fld>
             <a:endParaRPr lang="nl-NL"/>
           </a:p>
@@ -5395,7 +5400,7 @@
           <a:p>
             <a:fld id="{60DAC050-0D21-4421-9D3C-BFB696298AF5}" type="slidenum">
               <a:rPr lang="nl-NL" smtClean="0"/>
-              <a:t>‹nr.›</a:t>
+              <a:t>‹#›</a:t>
             </a:fld>
             <a:endParaRPr lang="nl-NL"/>
           </a:p>
@@ -7098,31 +7103,695 @@
           </a:p>
         </p:txBody>
       </p:sp>
-      <p:sp>
-        <p:nvSpPr>
-          <p:cNvPr id="3" name="Tijdelijke aanduiding voor inhoud 2">
+      <p:graphicFrame>
+        <p:nvGraphicFramePr>
+          <p:cNvPr id="4" name="Content Placeholder 3">
             <a:extLst>
               <a:ext uri="{FF2B5EF4-FFF2-40B4-BE49-F238E27FC236}">
-                <a16:creationId xmlns:a16="http://schemas.microsoft.com/office/drawing/2014/main" id="{04734733-C54C-E714-43D9-2DB173C4B93D}"/>
+                <a16:creationId xmlns:a16="http://schemas.microsoft.com/office/drawing/2014/main" id="{0871DE22-0FD4-4978-B5FB-8CA6BCBC3E9B}"/>
               </a:ext>
             </a:extLst>
           </p:cNvPr>
-          <p:cNvSpPr>
-            <a:spLocks noGrp="1"/>
-          </p:cNvSpPr>
+          <p:cNvGraphicFramePr>
+            <a:graphicFrameLocks noGrp="1"/>
+          </p:cNvGraphicFramePr>
           <p:nvPr>
             <p:ph idx="1"/>
-          </p:nvPr>
-        </p:nvSpPr>
-        <p:spPr/>
-        <p:txBody>
-          <a:bodyPr/>
-          <a:lstStyle/>
-          <a:p>
-            <a:endParaRPr lang="nl-NL"/>
-          </a:p>
-        </p:txBody>
-      </p:sp>
+            <p:extLst>
+              <p:ext uri="{D42A27DB-BD31-4B8C-83A1-F6EECF244321}">
+                <p14:modId xmlns:p14="http://schemas.microsoft.com/office/powerpoint/2010/main" val="1562091959"/>
+              </p:ext>
+            </p:extLst>
+          </p:nvPr>
+        </p:nvGraphicFramePr>
+        <p:xfrm>
+          <a:off x="3245771" y="1717119"/>
+          <a:ext cx="7035996" cy="4362594"/>
+        </p:xfrm>
+        <a:graphic>
+          <a:graphicData uri="http://schemas.openxmlformats.org/drawingml/2006/table">
+            <a:tbl>
+              <a:tblPr firstRow="1" firstCol="1" bandRow="1">
+                <a:tableStyleId>{5C22544A-7EE6-4342-B048-85BDC9FD1C3A}</a:tableStyleId>
+              </a:tblPr>
+              <a:tblGrid>
+                <a:gridCol w="1149345">
+                  <a:extLst>
+                    <a:ext uri="{9D8B030D-6E8A-4147-A177-3AD203B41FA5}">
+                      <a16:colId xmlns:a16="http://schemas.microsoft.com/office/drawing/2014/main" val="153205334"/>
+                    </a:ext>
+                  </a:extLst>
+                </a:gridCol>
+                <a:gridCol w="1149345">
+                  <a:extLst>
+                    <a:ext uri="{9D8B030D-6E8A-4147-A177-3AD203B41FA5}">
+                      <a16:colId xmlns:a16="http://schemas.microsoft.com/office/drawing/2014/main" val="875574213"/>
+                    </a:ext>
+                  </a:extLst>
+                </a:gridCol>
+                <a:gridCol w="1149345">
+                  <a:extLst>
+                    <a:ext uri="{9D8B030D-6E8A-4147-A177-3AD203B41FA5}">
+                      <a16:colId xmlns:a16="http://schemas.microsoft.com/office/drawing/2014/main" val="1625982825"/>
+                    </a:ext>
+                  </a:extLst>
+                </a:gridCol>
+                <a:gridCol w="1289271">
+                  <a:extLst>
+                    <a:ext uri="{9D8B030D-6E8A-4147-A177-3AD203B41FA5}">
+                      <a16:colId xmlns:a16="http://schemas.microsoft.com/office/drawing/2014/main" val="3989230865"/>
+                    </a:ext>
+                  </a:extLst>
+                </a:gridCol>
+                <a:gridCol w="1149345">
+                  <a:extLst>
+                    <a:ext uri="{9D8B030D-6E8A-4147-A177-3AD203B41FA5}">
+                      <a16:colId xmlns:a16="http://schemas.microsoft.com/office/drawing/2014/main" val="2098897870"/>
+                    </a:ext>
+                  </a:extLst>
+                </a:gridCol>
+                <a:gridCol w="1149345">
+                  <a:extLst>
+                    <a:ext uri="{9D8B030D-6E8A-4147-A177-3AD203B41FA5}">
+                      <a16:colId xmlns:a16="http://schemas.microsoft.com/office/drawing/2014/main" val="757756213"/>
+                    </a:ext>
+                  </a:extLst>
+                </a:gridCol>
+              </a:tblGrid>
+              <a:tr h="523072">
+                <a:tc>
+                  <a:txBody>
+                    <a:bodyPr/>
+                    <a:lstStyle/>
+                    <a:p>
+                      <a:pPr>
+                        <a:buNone/>
+                        <a:tabLst>
+                          <a:tab pos="855980" algn="l"/>
+                        </a:tabLst>
+                      </a:pPr>
+                      <a:r>
+                        <a:rPr lang="en-US" sz="1200" kern="100">
+                          <a:effectLst/>
+                        </a:rPr>
+                        <a:t>Model</a:t>
+                      </a:r>
+                      <a:endParaRPr lang="en-NL" sz="1200" kern="100">
+                        <a:effectLst/>
+                        <a:latin typeface="Aptos" panose="020B0004020202020204" pitchFamily="34" charset="0"/>
+                        <a:ea typeface="Aptos" panose="020B0004020202020204" pitchFamily="34" charset="0"/>
+                        <a:cs typeface="Times New Roman" panose="02020603050405020304" pitchFamily="18" charset="0"/>
+                      </a:endParaRPr>
+                    </a:p>
+                  </a:txBody>
+                  <a:tcPr marL="68580" marR="68580" marT="0" marB="0"/>
+                </a:tc>
+                <a:tc>
+                  <a:txBody>
+                    <a:bodyPr/>
+                    <a:lstStyle/>
+                    <a:p>
+                      <a:pPr>
+                        <a:buNone/>
+                        <a:tabLst>
+                          <a:tab pos="855980" algn="l"/>
+                        </a:tabLst>
+                      </a:pPr>
+                      <a:r>
+                        <a:rPr lang="en-US" sz="1200" kern="100">
+                          <a:effectLst/>
+                        </a:rPr>
+                        <a:t>Vermogen</a:t>
+                      </a:r>
+                      <a:endParaRPr lang="en-NL" sz="1200" kern="100">
+                        <a:effectLst/>
+                        <a:latin typeface="Aptos" panose="020B0004020202020204" pitchFamily="34" charset="0"/>
+                        <a:ea typeface="Aptos" panose="020B0004020202020204" pitchFamily="34" charset="0"/>
+                        <a:cs typeface="Times New Roman" panose="02020603050405020304" pitchFamily="18" charset="0"/>
+                      </a:endParaRPr>
+                    </a:p>
+                  </a:txBody>
+                  <a:tcPr marL="68580" marR="68580" marT="0" marB="0"/>
+                </a:tc>
+                <a:tc>
+                  <a:txBody>
+                    <a:bodyPr/>
+                    <a:lstStyle/>
+                    <a:p>
+                      <a:pPr>
+                        <a:buNone/>
+                        <a:tabLst>
+                          <a:tab pos="855980" algn="l"/>
+                        </a:tabLst>
+                      </a:pPr>
+                      <a:r>
+                        <a:rPr lang="en-US" sz="1200" kern="100">
+                          <a:effectLst/>
+                        </a:rPr>
+                        <a:t>Nominale spanning</a:t>
+                      </a:r>
+                      <a:endParaRPr lang="en-NL" sz="1200" kern="100">
+                        <a:effectLst/>
+                        <a:latin typeface="Aptos" panose="020B0004020202020204" pitchFamily="34" charset="0"/>
+                        <a:ea typeface="Aptos" panose="020B0004020202020204" pitchFamily="34" charset="0"/>
+                        <a:cs typeface="Times New Roman" panose="02020603050405020304" pitchFamily="18" charset="0"/>
+                      </a:endParaRPr>
+                    </a:p>
+                  </a:txBody>
+                  <a:tcPr marL="68580" marR="68580" marT="0" marB="0"/>
+                </a:tc>
+                <a:tc>
+                  <a:txBody>
+                    <a:bodyPr/>
+                    <a:lstStyle/>
+                    <a:p>
+                      <a:pPr>
+                        <a:buNone/>
+                        <a:tabLst>
+                          <a:tab pos="855980" algn="l"/>
+                        </a:tabLst>
+                      </a:pPr>
+                      <a:r>
+                        <a:rPr lang="en-US" sz="1200" kern="100">
+                          <a:effectLst/>
+                        </a:rPr>
+                        <a:t>Startwindsnelheid</a:t>
+                      </a:r>
+                      <a:endParaRPr lang="en-NL" sz="1200" kern="100">
+                        <a:effectLst/>
+                        <a:latin typeface="Aptos" panose="020B0004020202020204" pitchFamily="34" charset="0"/>
+                        <a:ea typeface="Aptos" panose="020B0004020202020204" pitchFamily="34" charset="0"/>
+                        <a:cs typeface="Times New Roman" panose="02020603050405020304" pitchFamily="18" charset="0"/>
+                      </a:endParaRPr>
+                    </a:p>
+                  </a:txBody>
+                  <a:tcPr marL="68580" marR="68580" marT="0" marB="0"/>
+                </a:tc>
+                <a:tc>
+                  <a:txBody>
+                    <a:bodyPr/>
+                    <a:lstStyle/>
+                    <a:p>
+                      <a:pPr>
+                        <a:buNone/>
+                        <a:tabLst>
+                          <a:tab pos="855980" algn="l"/>
+                        </a:tabLst>
+                      </a:pPr>
+                      <a:r>
+                        <a:rPr lang="en-US" sz="1200" kern="100">
+                          <a:effectLst/>
+                        </a:rPr>
+                        <a:t>Rotor</a:t>
+                      </a:r>
+                      <a:endParaRPr lang="en-NL" sz="1200" kern="100">
+                        <a:effectLst/>
+                        <a:latin typeface="Aptos" panose="020B0004020202020204" pitchFamily="34" charset="0"/>
+                        <a:ea typeface="Aptos" panose="020B0004020202020204" pitchFamily="34" charset="0"/>
+                        <a:cs typeface="Times New Roman" panose="02020603050405020304" pitchFamily="18" charset="0"/>
+                      </a:endParaRPr>
+                    </a:p>
+                  </a:txBody>
+                  <a:tcPr marL="68580" marR="68580" marT="0" marB="0"/>
+                </a:tc>
+                <a:tc>
+                  <a:txBody>
+                    <a:bodyPr/>
+                    <a:lstStyle/>
+                    <a:p>
+                      <a:pPr>
+                        <a:buNone/>
+                        <a:tabLst>
+                          <a:tab pos="855980" algn="l"/>
+                        </a:tabLst>
+                      </a:pPr>
+                      <a:r>
+                        <a:rPr lang="en-US" sz="1200" kern="100">
+                          <a:effectLst/>
+                        </a:rPr>
+                        <a:t>Kosten</a:t>
+                      </a:r>
+                      <a:endParaRPr lang="en-NL" sz="1200" kern="100">
+                        <a:effectLst/>
+                        <a:latin typeface="Aptos" panose="020B0004020202020204" pitchFamily="34" charset="0"/>
+                        <a:ea typeface="Aptos" panose="020B0004020202020204" pitchFamily="34" charset="0"/>
+                        <a:cs typeface="Times New Roman" panose="02020603050405020304" pitchFamily="18" charset="0"/>
+                      </a:endParaRPr>
+                    </a:p>
+                  </a:txBody>
+                  <a:tcPr marL="68580" marR="68580" marT="0" marB="0"/>
+                </a:tc>
+                <a:extLst>
+                  <a:ext uri="{0D108BD9-81ED-4DB2-BD59-A6C34878D82A}">
+                    <a16:rowId xmlns:a16="http://schemas.microsoft.com/office/drawing/2014/main" val="2525291532"/>
+                  </a:ext>
+                </a:extLst>
+              </a:tr>
+              <a:tr h="2032688">
+                <a:tc>
+                  <a:txBody>
+                    <a:bodyPr/>
+                    <a:lstStyle/>
+                    <a:p>
+                      <a:pPr>
+                        <a:buNone/>
+                        <a:tabLst>
+                          <a:tab pos="855980" algn="l"/>
+                        </a:tabLst>
+                      </a:pPr>
+                      <a:r>
+                        <a:rPr lang="en-NL" sz="1200" kern="100">
+                          <a:effectLst/>
+                        </a:rPr>
+                        <a:t>­­Demountable Wind Turbine ElvWiS ADVENTURE 25SE Economy with Mount (50 W)</a:t>
+                      </a:r>
+                    </a:p>
+                    <a:p>
+                      <a:pPr>
+                        <a:buNone/>
+                        <a:tabLst>
+                          <a:tab pos="855980" algn="l"/>
+                        </a:tabLst>
+                      </a:pPr>
+                      <a:r>
+                        <a:rPr lang="uk-UA" sz="1200" kern="100">
+                          <a:effectLst/>
+                        </a:rPr>
+                        <a:t> </a:t>
+                      </a:r>
+                      <a:endParaRPr lang="en-NL" sz="1200" kern="100">
+                        <a:effectLst/>
+                        <a:latin typeface="Aptos" panose="020B0004020202020204" pitchFamily="34" charset="0"/>
+                        <a:ea typeface="Aptos" panose="020B0004020202020204" pitchFamily="34" charset="0"/>
+                        <a:cs typeface="Times New Roman" panose="02020603050405020304" pitchFamily="18" charset="0"/>
+                      </a:endParaRPr>
+                    </a:p>
+                  </a:txBody>
+                  <a:tcPr marL="68580" marR="68580" marT="0" marB="0"/>
+                </a:tc>
+                <a:tc>
+                  <a:txBody>
+                    <a:bodyPr/>
+                    <a:lstStyle/>
+                    <a:p>
+                      <a:pPr>
+                        <a:buNone/>
+                        <a:tabLst>
+                          <a:tab pos="855980" algn="l"/>
+                        </a:tabLst>
+                      </a:pPr>
+                      <a:r>
+                        <a:rPr lang="en-US" sz="1200" kern="100">
+                          <a:effectLst/>
+                        </a:rPr>
+                        <a:t>50W</a:t>
+                      </a:r>
+                      <a:endParaRPr lang="en-NL" sz="1200" kern="100">
+                        <a:effectLst/>
+                        <a:latin typeface="Aptos" panose="020B0004020202020204" pitchFamily="34" charset="0"/>
+                        <a:ea typeface="Aptos" panose="020B0004020202020204" pitchFamily="34" charset="0"/>
+                        <a:cs typeface="Times New Roman" panose="02020603050405020304" pitchFamily="18" charset="0"/>
+                      </a:endParaRPr>
+                    </a:p>
+                  </a:txBody>
+                  <a:tcPr marL="68580" marR="68580" marT="0" marB="0"/>
+                </a:tc>
+                <a:tc>
+                  <a:txBody>
+                    <a:bodyPr/>
+                    <a:lstStyle/>
+                    <a:p>
+                      <a:pPr>
+                        <a:buNone/>
+                        <a:tabLst>
+                          <a:tab pos="855980" algn="l"/>
+                        </a:tabLst>
+                      </a:pPr>
+                      <a:r>
+                        <a:rPr lang="en-US" sz="1200" kern="100">
+                          <a:effectLst/>
+                        </a:rPr>
+                        <a:t>12-24V</a:t>
+                      </a:r>
+                      <a:endParaRPr lang="en-NL" sz="1200" kern="100">
+                        <a:effectLst/>
+                        <a:latin typeface="Aptos" panose="020B0004020202020204" pitchFamily="34" charset="0"/>
+                        <a:ea typeface="Aptos" panose="020B0004020202020204" pitchFamily="34" charset="0"/>
+                        <a:cs typeface="Times New Roman" panose="02020603050405020304" pitchFamily="18" charset="0"/>
+                      </a:endParaRPr>
+                    </a:p>
+                  </a:txBody>
+                  <a:tcPr marL="68580" marR="68580" marT="0" marB="0"/>
+                </a:tc>
+                <a:tc>
+                  <a:txBody>
+                    <a:bodyPr/>
+                    <a:lstStyle/>
+                    <a:p>
+                      <a:pPr>
+                        <a:buNone/>
+                        <a:tabLst>
+                          <a:tab pos="855980" algn="l"/>
+                        </a:tabLst>
+                      </a:pPr>
+                      <a:r>
+                        <a:rPr lang="en-US" sz="1200" kern="100">
+                          <a:effectLst/>
+                        </a:rPr>
+                        <a:t>0.5 m/s</a:t>
+                      </a:r>
+                      <a:endParaRPr lang="en-NL" sz="1200" kern="100">
+                        <a:effectLst/>
+                        <a:latin typeface="Aptos" panose="020B0004020202020204" pitchFamily="34" charset="0"/>
+                        <a:ea typeface="Aptos" panose="020B0004020202020204" pitchFamily="34" charset="0"/>
+                        <a:cs typeface="Times New Roman" panose="02020603050405020304" pitchFamily="18" charset="0"/>
+                      </a:endParaRPr>
+                    </a:p>
+                  </a:txBody>
+                  <a:tcPr marL="68580" marR="68580" marT="0" marB="0"/>
+                </a:tc>
+                <a:tc>
+                  <a:txBody>
+                    <a:bodyPr/>
+                    <a:lstStyle/>
+                    <a:p>
+                      <a:pPr>
+                        <a:buNone/>
+                        <a:tabLst>
+                          <a:tab pos="855980" algn="l"/>
+                        </a:tabLst>
+                      </a:pPr>
+                      <a:r>
+                        <a:rPr lang="en-US" sz="1200" kern="100">
+                          <a:effectLst/>
+                        </a:rPr>
+                        <a:t>30-40cm</a:t>
+                      </a:r>
+                      <a:endParaRPr lang="en-NL" sz="1200" kern="100">
+                        <a:effectLst/>
+                        <a:latin typeface="Aptos" panose="020B0004020202020204" pitchFamily="34" charset="0"/>
+                        <a:ea typeface="Aptos" panose="020B0004020202020204" pitchFamily="34" charset="0"/>
+                        <a:cs typeface="Times New Roman" panose="02020603050405020304" pitchFamily="18" charset="0"/>
+                      </a:endParaRPr>
+                    </a:p>
+                  </a:txBody>
+                  <a:tcPr marL="68580" marR="68580" marT="0" marB="0"/>
+                </a:tc>
+                <a:tc>
+                  <a:txBody>
+                    <a:bodyPr/>
+                    <a:lstStyle/>
+                    <a:p>
+                      <a:pPr>
+                        <a:buNone/>
+                        <a:tabLst>
+                          <a:tab pos="855980" algn="l"/>
+                        </a:tabLst>
+                      </a:pPr>
+                      <a:r>
+                        <a:rPr lang="en-US" sz="1200" kern="100">
+                          <a:effectLst/>
+                        </a:rPr>
+                        <a:t>400€</a:t>
+                      </a:r>
+                      <a:endParaRPr lang="en-NL" sz="1200" kern="100">
+                        <a:effectLst/>
+                        <a:latin typeface="Aptos" panose="020B0004020202020204" pitchFamily="34" charset="0"/>
+                        <a:ea typeface="Aptos" panose="020B0004020202020204" pitchFamily="34" charset="0"/>
+                        <a:cs typeface="Times New Roman" panose="02020603050405020304" pitchFamily="18" charset="0"/>
+                      </a:endParaRPr>
+                    </a:p>
+                  </a:txBody>
+                  <a:tcPr marL="68580" marR="68580" marT="0" marB="0"/>
+                </a:tc>
+                <a:extLst>
+                  <a:ext uri="{0D108BD9-81ED-4DB2-BD59-A6C34878D82A}">
+                    <a16:rowId xmlns:a16="http://schemas.microsoft.com/office/drawing/2014/main" val="1787716547"/>
+                  </a:ext>
+                </a:extLst>
+              </a:tr>
+              <a:tr h="1806834">
+                <a:tc>
+                  <a:txBody>
+                    <a:bodyPr/>
+                    <a:lstStyle/>
+                    <a:p>
+                      <a:pPr>
+                        <a:buNone/>
+                        <a:tabLst>
+                          <a:tab pos="855980" algn="l"/>
+                        </a:tabLst>
+                      </a:pPr>
+                      <a:r>
+                        <a:rPr lang="nl-NL" sz="1200" kern="100">
+                          <a:effectLst/>
+                        </a:rPr>
+                        <a:t>High-End Micro Wind Generator Kit Portable Wind Turbine Generator ot25</a:t>
+                      </a:r>
+                      <a:endParaRPr lang="en-NL" sz="1200" kern="100">
+                        <a:effectLst/>
+                      </a:endParaRPr>
+                    </a:p>
+                    <a:p>
+                      <a:pPr>
+                        <a:buNone/>
+                        <a:tabLst>
+                          <a:tab pos="855980" algn="l"/>
+                        </a:tabLst>
+                      </a:pPr>
+                      <a:r>
+                        <a:rPr lang="uk-UA" sz="1200" kern="100">
+                          <a:effectLst/>
+                        </a:rPr>
+                        <a:t> </a:t>
+                      </a:r>
+                      <a:endParaRPr lang="en-NL" sz="1200" kern="100">
+                        <a:effectLst/>
+                        <a:latin typeface="Aptos" panose="020B0004020202020204" pitchFamily="34" charset="0"/>
+                        <a:ea typeface="Aptos" panose="020B0004020202020204" pitchFamily="34" charset="0"/>
+                        <a:cs typeface="Times New Roman" panose="02020603050405020304" pitchFamily="18" charset="0"/>
+                      </a:endParaRPr>
+                    </a:p>
+                  </a:txBody>
+                  <a:tcPr marL="68580" marR="68580" marT="0" marB="0"/>
+                </a:tc>
+                <a:tc>
+                  <a:txBody>
+                    <a:bodyPr/>
+                    <a:lstStyle/>
+                    <a:p>
+                      <a:pPr>
+                        <a:buNone/>
+                        <a:tabLst>
+                          <a:tab pos="855980" algn="l"/>
+                        </a:tabLst>
+                      </a:pPr>
+                      <a:r>
+                        <a:rPr lang="en-US" sz="1200" kern="100">
+                          <a:effectLst/>
+                        </a:rPr>
+                        <a:t>50W</a:t>
+                      </a:r>
+                      <a:endParaRPr lang="en-NL" sz="1200" kern="100">
+                        <a:effectLst/>
+                        <a:latin typeface="Aptos" panose="020B0004020202020204" pitchFamily="34" charset="0"/>
+                        <a:ea typeface="Aptos" panose="020B0004020202020204" pitchFamily="34" charset="0"/>
+                        <a:cs typeface="Times New Roman" panose="02020603050405020304" pitchFamily="18" charset="0"/>
+                      </a:endParaRPr>
+                    </a:p>
+                  </a:txBody>
+                  <a:tcPr marL="68580" marR="68580" marT="0" marB="0"/>
+                </a:tc>
+                <a:tc>
+                  <a:txBody>
+                    <a:bodyPr/>
+                    <a:lstStyle/>
+                    <a:p>
+                      <a:pPr>
+                        <a:buNone/>
+                        <a:tabLst>
+                          <a:tab pos="855980" algn="l"/>
+                        </a:tabLst>
+                      </a:pPr>
+                      <a:r>
+                        <a:rPr lang="en-US" sz="1200" kern="100">
+                          <a:effectLst/>
+                        </a:rPr>
+                        <a:t>12-24V</a:t>
+                      </a:r>
+                      <a:endParaRPr lang="en-NL" sz="1200" kern="100">
+                        <a:effectLst/>
+                        <a:latin typeface="Aptos" panose="020B0004020202020204" pitchFamily="34" charset="0"/>
+                        <a:ea typeface="Aptos" panose="020B0004020202020204" pitchFamily="34" charset="0"/>
+                        <a:cs typeface="Times New Roman" panose="02020603050405020304" pitchFamily="18" charset="0"/>
+                      </a:endParaRPr>
+                    </a:p>
+                  </a:txBody>
+                  <a:tcPr marL="68580" marR="68580" marT="0" marB="0"/>
+                </a:tc>
+                <a:tc>
+                  <a:txBody>
+                    <a:bodyPr/>
+                    <a:lstStyle/>
+                    <a:p>
+                      <a:pPr>
+                        <a:buNone/>
+                        <a:tabLst>
+                          <a:tab pos="855980" algn="l"/>
+                        </a:tabLst>
+                      </a:pPr>
+                      <a:r>
+                        <a:rPr lang="en-US" sz="1200" kern="100">
+                          <a:effectLst/>
+                        </a:rPr>
+                        <a:t>2 m/s</a:t>
+                      </a:r>
+                      <a:endParaRPr lang="en-NL" sz="1200" kern="100">
+                        <a:effectLst/>
+                        <a:latin typeface="Aptos" panose="020B0004020202020204" pitchFamily="34" charset="0"/>
+                        <a:ea typeface="Aptos" panose="020B0004020202020204" pitchFamily="34" charset="0"/>
+                        <a:cs typeface="Times New Roman" panose="02020603050405020304" pitchFamily="18" charset="0"/>
+                      </a:endParaRPr>
+                    </a:p>
+                  </a:txBody>
+                  <a:tcPr marL="68580" marR="68580" marT="0" marB="0"/>
+                </a:tc>
+                <a:tc>
+                  <a:txBody>
+                    <a:bodyPr/>
+                    <a:lstStyle/>
+                    <a:p>
+                      <a:pPr>
+                        <a:buNone/>
+                        <a:tabLst>
+                          <a:tab pos="855980" algn="l"/>
+                        </a:tabLst>
+                      </a:pPr>
+                      <a:r>
+                        <a:rPr lang="en-US" sz="1200" kern="100">
+                          <a:effectLst/>
+                        </a:rPr>
+                        <a:t>35-40cm</a:t>
+                      </a:r>
+                      <a:endParaRPr lang="en-NL" sz="1200" kern="100">
+                        <a:effectLst/>
+                        <a:latin typeface="Aptos" panose="020B0004020202020204" pitchFamily="34" charset="0"/>
+                        <a:ea typeface="Aptos" panose="020B0004020202020204" pitchFamily="34" charset="0"/>
+                        <a:cs typeface="Times New Roman" panose="02020603050405020304" pitchFamily="18" charset="0"/>
+                      </a:endParaRPr>
+                    </a:p>
+                  </a:txBody>
+                  <a:tcPr marL="68580" marR="68580" marT="0" marB="0"/>
+                </a:tc>
+                <a:tc>
+                  <a:txBody>
+                    <a:bodyPr/>
+                    <a:lstStyle/>
+                    <a:p>
+                      <a:pPr>
+                        <a:buNone/>
+                        <a:tabLst>
+                          <a:tab pos="855980" algn="l"/>
+                        </a:tabLst>
+                      </a:pPr>
+                      <a:r>
+                        <a:rPr lang="en-US" sz="1200" kern="100" dirty="0">
+                          <a:effectLst/>
+                        </a:rPr>
+                        <a:t>241€</a:t>
+                      </a:r>
+                      <a:endParaRPr lang="en-NL" sz="1200" kern="100" dirty="0">
+                        <a:effectLst/>
+                        <a:latin typeface="Aptos" panose="020B0004020202020204" pitchFamily="34" charset="0"/>
+                        <a:ea typeface="Aptos" panose="020B0004020202020204" pitchFamily="34" charset="0"/>
+                        <a:cs typeface="Times New Roman" panose="02020603050405020304" pitchFamily="18" charset="0"/>
+                      </a:endParaRPr>
+                    </a:p>
+                  </a:txBody>
+                  <a:tcPr marL="68580" marR="68580" marT="0" marB="0"/>
+                </a:tc>
+                <a:extLst>
+                  <a:ext uri="{0D108BD9-81ED-4DB2-BD59-A6C34878D82A}">
+                    <a16:rowId xmlns:a16="http://schemas.microsoft.com/office/drawing/2014/main" val="3577254416"/>
+                  </a:ext>
+                </a:extLst>
+              </a:tr>
+            </a:tbl>
+          </a:graphicData>
+        </a:graphic>
+      </p:graphicFrame>
+      <p:pic>
+        <p:nvPicPr>
+          <p:cNvPr id="5" name="Picture 4">
+            <a:extLst>
+              <a:ext uri="{FF2B5EF4-FFF2-40B4-BE49-F238E27FC236}">
+                <a16:creationId xmlns:a16="http://schemas.microsoft.com/office/drawing/2014/main" id="{EC18A15B-2625-A8BD-8078-502BCA438711}"/>
+              </a:ext>
+            </a:extLst>
+          </p:cNvPr>
+          <p:cNvPicPr>
+            <a:picLocks noChangeAspect="1"/>
+          </p:cNvPicPr>
+          <p:nvPr/>
+        </p:nvPicPr>
+        <p:blipFill>
+          <a:blip r:embed="rId2" cstate="print">
+            <a:extLst>
+              <a:ext uri="{28A0092B-C50C-407E-A947-70E740481C1C}">
+                <a14:useLocalDpi xmlns:a14="http://schemas.microsoft.com/office/drawing/2010/main" val="0"/>
+              </a:ext>
+            </a:extLst>
+          </a:blip>
+          <a:stretch>
+            <a:fillRect/>
+          </a:stretch>
+        </p:blipFill>
+        <p:spPr>
+          <a:xfrm>
+            <a:off x="1333926" y="2289490"/>
+            <a:ext cx="1784810" cy="1784810"/>
+          </a:xfrm>
+          <a:prstGeom prst="rect">
+            <a:avLst/>
+          </a:prstGeom>
+        </p:spPr>
+      </p:pic>
+      <p:pic>
+        <p:nvPicPr>
+          <p:cNvPr id="6" name="Picture 5">
+            <a:extLst>
+              <a:ext uri="{FF2B5EF4-FFF2-40B4-BE49-F238E27FC236}">
+                <a16:creationId xmlns:a16="http://schemas.microsoft.com/office/drawing/2014/main" id="{2AED999D-39B1-7865-112D-28B4BAC02C16}"/>
+              </a:ext>
+            </a:extLst>
+          </p:cNvPr>
+          <p:cNvPicPr>
+            <a:picLocks noChangeAspect="1"/>
+          </p:cNvPicPr>
+          <p:nvPr/>
+        </p:nvPicPr>
+        <p:blipFill>
+          <a:blip r:embed="rId3" cstate="print">
+            <a:extLst>
+              <a:ext uri="{28A0092B-C50C-407E-A947-70E740481C1C}">
+                <a14:useLocalDpi xmlns:a14="http://schemas.microsoft.com/office/drawing/2010/main" val="0"/>
+              </a:ext>
+            </a:extLst>
+          </a:blip>
+          <a:stretch>
+            <a:fillRect/>
+          </a:stretch>
+        </p:blipFill>
+        <p:spPr>
+          <a:xfrm>
+            <a:off x="1333926" y="4236266"/>
+            <a:ext cx="1649165" cy="1649165"/>
+          </a:xfrm>
+          <a:prstGeom prst="rect">
+            <a:avLst/>
+          </a:prstGeom>
+        </p:spPr>
+      </p:pic>
     </p:spTree>
     <p:extLst>
       <p:ext uri="{BB962C8B-B14F-4D97-AF65-F5344CB8AC3E}">

--- a/documentatie/scrum presentaties/sprint 2.pptx
+++ b/documentatie/scrum presentaties/sprint 2.pptx
@@ -908,7 +908,7 @@
           <a:p>
             <a:fld id="{60DAC050-0D21-4421-9D3C-BFB696298AF5}" type="slidenum">
               <a:rPr lang="nl-NL" smtClean="0"/>
-              <a:t>‹#›</a:t>
+              <a:t>‹nr.›</a:t>
             </a:fld>
             <a:endParaRPr lang="nl-NL"/>
           </a:p>
@@ -1159,7 +1159,7 @@
           <a:p>
             <a:fld id="{60DAC050-0D21-4421-9D3C-BFB696298AF5}" type="slidenum">
               <a:rPr lang="nl-NL" smtClean="0"/>
-              <a:t>‹#›</a:t>
+              <a:t>‹nr.›</a:t>
             </a:fld>
             <a:endParaRPr lang="nl-NL"/>
           </a:p>
@@ -1473,7 +1473,7 @@
           <a:p>
             <a:fld id="{60DAC050-0D21-4421-9D3C-BFB696298AF5}" type="slidenum">
               <a:rPr lang="nl-NL" smtClean="0"/>
-              <a:t>‹#›</a:t>
+              <a:t>‹nr.›</a:t>
             </a:fld>
             <a:endParaRPr lang="nl-NL"/>
           </a:p>
@@ -1806,7 +1806,7 @@
           <a:p>
             <a:fld id="{60DAC050-0D21-4421-9D3C-BFB696298AF5}" type="slidenum">
               <a:rPr lang="nl-NL" smtClean="0"/>
-              <a:t>‹#›</a:t>
+              <a:t>‹nr.›</a:t>
             </a:fld>
             <a:endParaRPr lang="nl-NL"/>
           </a:p>
@@ -2120,7 +2120,7 @@
           <a:p>
             <a:fld id="{60DAC050-0D21-4421-9D3C-BFB696298AF5}" type="slidenum">
               <a:rPr lang="nl-NL" smtClean="0"/>
-              <a:t>‹#›</a:t>
+              <a:t>‹nr.›</a:t>
             </a:fld>
             <a:endParaRPr lang="nl-NL"/>
           </a:p>
@@ -2513,7 +2513,7 @@
           <a:p>
             <a:fld id="{60DAC050-0D21-4421-9D3C-BFB696298AF5}" type="slidenum">
               <a:rPr lang="nl-NL" smtClean="0"/>
-              <a:t>‹#›</a:t>
+              <a:t>‹nr.›</a:t>
             </a:fld>
             <a:endParaRPr lang="nl-NL"/>
           </a:p>
@@ -2683,7 +2683,7 @@
           <a:p>
             <a:fld id="{60DAC050-0D21-4421-9D3C-BFB696298AF5}" type="slidenum">
               <a:rPr lang="nl-NL" smtClean="0"/>
-              <a:t>‹#›</a:t>
+              <a:t>‹nr.›</a:t>
             </a:fld>
             <a:endParaRPr lang="nl-NL"/>
           </a:p>
@@ -2863,7 +2863,7 @@
           <a:p>
             <a:fld id="{60DAC050-0D21-4421-9D3C-BFB696298AF5}" type="slidenum">
               <a:rPr lang="nl-NL" smtClean="0"/>
-              <a:t>‹#›</a:t>
+              <a:t>‹nr.›</a:t>
             </a:fld>
             <a:endParaRPr lang="nl-NL"/>
           </a:p>
@@ -3033,7 +3033,7 @@
           <a:p>
             <a:fld id="{60DAC050-0D21-4421-9D3C-BFB696298AF5}" type="slidenum">
               <a:rPr lang="nl-NL" smtClean="0"/>
-              <a:t>‹#›</a:t>
+              <a:t>‹nr.›</a:t>
             </a:fld>
             <a:endParaRPr lang="nl-NL"/>
           </a:p>
@@ -3280,7 +3280,7 @@
           <a:p>
             <a:fld id="{60DAC050-0D21-4421-9D3C-BFB696298AF5}" type="slidenum">
               <a:rPr lang="nl-NL" smtClean="0"/>
-              <a:t>‹#›</a:t>
+              <a:t>‹nr.›</a:t>
             </a:fld>
             <a:endParaRPr lang="nl-NL"/>
           </a:p>
@@ -3512,7 +3512,7 @@
           <a:p>
             <a:fld id="{60DAC050-0D21-4421-9D3C-BFB696298AF5}" type="slidenum">
               <a:rPr lang="nl-NL" smtClean="0"/>
-              <a:t>‹#›</a:t>
+              <a:t>‹nr.›</a:t>
             </a:fld>
             <a:endParaRPr lang="nl-NL"/>
           </a:p>
@@ -3886,7 +3886,7 @@
           <a:p>
             <a:fld id="{60DAC050-0D21-4421-9D3C-BFB696298AF5}" type="slidenum">
               <a:rPr lang="nl-NL" smtClean="0"/>
-              <a:t>‹#›</a:t>
+              <a:t>‹nr.›</a:t>
             </a:fld>
             <a:endParaRPr lang="nl-NL"/>
           </a:p>
@@ -4009,7 +4009,7 @@
           <a:p>
             <a:fld id="{60DAC050-0D21-4421-9D3C-BFB696298AF5}" type="slidenum">
               <a:rPr lang="nl-NL" smtClean="0"/>
-              <a:t>‹#›</a:t>
+              <a:t>‹nr.›</a:t>
             </a:fld>
             <a:endParaRPr lang="nl-NL"/>
           </a:p>
@@ -4104,7 +4104,7 @@
           <a:p>
             <a:fld id="{60DAC050-0D21-4421-9D3C-BFB696298AF5}" type="slidenum">
               <a:rPr lang="nl-NL" smtClean="0"/>
-              <a:t>‹#›</a:t>
+              <a:t>‹nr.›</a:t>
             </a:fld>
             <a:endParaRPr lang="nl-NL"/>
           </a:p>
@@ -4359,7 +4359,7 @@
           <a:p>
             <a:fld id="{60DAC050-0D21-4421-9D3C-BFB696298AF5}" type="slidenum">
               <a:rPr lang="nl-NL" smtClean="0"/>
-              <a:t>‹#›</a:t>
+              <a:t>‹nr.›</a:t>
             </a:fld>
             <a:endParaRPr lang="nl-NL"/>
           </a:p>
@@ -4599,7 +4599,7 @@
           <a:p>
             <a:fld id="{60DAC050-0D21-4421-9D3C-BFB696298AF5}" type="slidenum">
               <a:rPr lang="nl-NL" smtClean="0"/>
-              <a:t>‹#›</a:t>
+              <a:t>‹nr.›</a:t>
             </a:fld>
             <a:endParaRPr lang="nl-NL"/>
           </a:p>
@@ -5400,7 +5400,7 @@
           <a:p>
             <a:fld id="{60DAC050-0D21-4421-9D3C-BFB696298AF5}" type="slidenum">
               <a:rPr lang="nl-NL" smtClean="0"/>
-              <a:t>‹#›</a:t>
+              <a:t>‹nr.›</a:t>
             </a:fld>
             <a:endParaRPr lang="nl-NL"/>
           </a:p>
@@ -5996,7 +5996,7 @@
           <a:p>
             <a:r>
               <a:rPr lang="en-US" dirty="0"/>
-              <a:t>retrospective</a:t>
+              <a:t>Retrospective</a:t>
             </a:r>
             <a:endParaRPr lang="nl-NL" dirty="0"/>
           </a:p>
@@ -6030,6 +6030,21 @@
             <a:r>
               <a:rPr lang="en-US" dirty="0" err="1"/>
               <a:t>terug</a:t>
+            </a:r>
+            <a:endParaRPr lang="en-US" dirty="0"/>
+          </a:p>
+          <a:p>
+            <a:r>
+              <a:rPr lang="en-US" dirty="0" err="1"/>
+              <a:t>Onderdelen</a:t>
+            </a:r>
+            <a:r>
+              <a:rPr lang="en-US" dirty="0"/>
+              <a:t> in </a:t>
+            </a:r>
+            <a:r>
+              <a:rPr lang="en-US" dirty="0" err="1"/>
+              <a:t>bestelling</a:t>
             </a:r>
             <a:endParaRPr lang="en-US" dirty="0"/>
           </a:p>
@@ -6909,8 +6924,8 @@
         </p:blipFill>
         <p:spPr>
           <a:xfrm>
-            <a:off x="-15911" y="1718650"/>
-            <a:ext cx="6962423" cy="3925066"/>
+            <a:off x="-15911" y="1675951"/>
+            <a:ext cx="6962423" cy="4092137"/>
           </a:xfrm>
         </p:spPr>
       </p:pic>
@@ -8170,6 +8185,14 @@
               <a:rPr lang="en-US" dirty="0" err="1"/>
               <a:t>voorbereiden</a:t>
             </a:r>
+            <a:r>
+              <a:rPr lang="en-US" dirty="0"/>
+              <a:t> training </a:t>
+            </a:r>
+            <a:r>
+              <a:rPr lang="en-US" dirty="0" err="1"/>
+              <a:t>mediatheek</a:t>
+            </a:r>
             <a:endParaRPr lang="en-US" dirty="0"/>
           </a:p>
           <a:p>
